--- a/assets/新建 Microsoft PowerPoint 演示文稿.pptx
+++ b/assets/新建 Microsoft PowerPoint 演示文稿.pptx
@@ -17,6 +17,7 @@
     <p:sldId id="265" r:id="rId11"/>
     <p:sldId id="266" r:id="rId12"/>
     <p:sldId id="267" r:id="rId13"/>
+    <p:sldId id="268" r:id="rId14"/>
   </p:sldIdLst>
   <p:sldSz cx="12192000" cy="6858000"/>
   <p:notesSz cx="6858000" cy="9144000"/>
@@ -270,7 +271,7 @@
           <a:p>
             <a:fld id="{8E6F60A9-C40D-48C9-A120-D137B6FF7B54}" type="datetimeFigureOut">
               <a:rPr lang="zh-CN" altLang="en-US" smtClean="0"/>
-              <a:t>2021/2/3</a:t>
+              <a:t>2021/4/19</a:t>
             </a:fld>
             <a:endParaRPr lang="zh-CN" altLang="en-US"/>
           </a:p>
@@ -468,7 +469,7 @@
           <a:p>
             <a:fld id="{8E6F60A9-C40D-48C9-A120-D137B6FF7B54}" type="datetimeFigureOut">
               <a:rPr lang="zh-CN" altLang="en-US" smtClean="0"/>
-              <a:t>2021/2/3</a:t>
+              <a:t>2021/4/19</a:t>
             </a:fld>
             <a:endParaRPr lang="zh-CN" altLang="en-US"/>
           </a:p>
@@ -676,7 +677,7 @@
           <a:p>
             <a:fld id="{8E6F60A9-C40D-48C9-A120-D137B6FF7B54}" type="datetimeFigureOut">
               <a:rPr lang="zh-CN" altLang="en-US" smtClean="0"/>
-              <a:t>2021/2/3</a:t>
+              <a:t>2021/4/19</a:t>
             </a:fld>
             <a:endParaRPr lang="zh-CN" altLang="en-US"/>
           </a:p>
@@ -874,7 +875,7 @@
           <a:p>
             <a:fld id="{8E6F60A9-C40D-48C9-A120-D137B6FF7B54}" type="datetimeFigureOut">
               <a:rPr lang="zh-CN" altLang="en-US" smtClean="0"/>
-              <a:t>2021/2/3</a:t>
+              <a:t>2021/4/19</a:t>
             </a:fld>
             <a:endParaRPr lang="zh-CN" altLang="en-US"/>
           </a:p>
@@ -1149,7 +1150,7 @@
           <a:p>
             <a:fld id="{8E6F60A9-C40D-48C9-A120-D137B6FF7B54}" type="datetimeFigureOut">
               <a:rPr lang="zh-CN" altLang="en-US" smtClean="0"/>
-              <a:t>2021/2/3</a:t>
+              <a:t>2021/4/19</a:t>
             </a:fld>
             <a:endParaRPr lang="zh-CN" altLang="en-US"/>
           </a:p>
@@ -1414,7 +1415,7 @@
           <a:p>
             <a:fld id="{8E6F60A9-C40D-48C9-A120-D137B6FF7B54}" type="datetimeFigureOut">
               <a:rPr lang="zh-CN" altLang="en-US" smtClean="0"/>
-              <a:t>2021/2/3</a:t>
+              <a:t>2021/4/19</a:t>
             </a:fld>
             <a:endParaRPr lang="zh-CN" altLang="en-US"/>
           </a:p>
@@ -1826,7 +1827,7 @@
           <a:p>
             <a:fld id="{8E6F60A9-C40D-48C9-A120-D137B6FF7B54}" type="datetimeFigureOut">
               <a:rPr lang="zh-CN" altLang="en-US" smtClean="0"/>
-              <a:t>2021/2/3</a:t>
+              <a:t>2021/4/19</a:t>
             </a:fld>
             <a:endParaRPr lang="zh-CN" altLang="en-US"/>
           </a:p>
@@ -1967,7 +1968,7 @@
           <a:p>
             <a:fld id="{8E6F60A9-C40D-48C9-A120-D137B6FF7B54}" type="datetimeFigureOut">
               <a:rPr lang="zh-CN" altLang="en-US" smtClean="0"/>
-              <a:t>2021/2/3</a:t>
+              <a:t>2021/4/19</a:t>
             </a:fld>
             <a:endParaRPr lang="zh-CN" altLang="en-US"/>
           </a:p>
@@ -2080,7 +2081,7 @@
           <a:p>
             <a:fld id="{8E6F60A9-C40D-48C9-A120-D137B6FF7B54}" type="datetimeFigureOut">
               <a:rPr lang="zh-CN" altLang="en-US" smtClean="0"/>
-              <a:t>2021/2/3</a:t>
+              <a:t>2021/4/19</a:t>
             </a:fld>
             <a:endParaRPr lang="zh-CN" altLang="en-US"/>
           </a:p>
@@ -2391,7 +2392,7 @@
           <a:p>
             <a:fld id="{8E6F60A9-C40D-48C9-A120-D137B6FF7B54}" type="datetimeFigureOut">
               <a:rPr lang="zh-CN" altLang="en-US" smtClean="0"/>
-              <a:t>2021/2/3</a:t>
+              <a:t>2021/4/19</a:t>
             </a:fld>
             <a:endParaRPr lang="zh-CN" altLang="en-US"/>
           </a:p>
@@ -2679,7 +2680,7 @@
           <a:p>
             <a:fld id="{8E6F60A9-C40D-48C9-A120-D137B6FF7B54}" type="datetimeFigureOut">
               <a:rPr lang="zh-CN" altLang="en-US" smtClean="0"/>
-              <a:t>2021/2/3</a:t>
+              <a:t>2021/4/19</a:t>
             </a:fld>
             <a:endParaRPr lang="zh-CN" altLang="en-US"/>
           </a:p>
@@ -2920,7 +2921,7 @@
           <a:p>
             <a:fld id="{8E6F60A9-C40D-48C9-A120-D137B6FF7B54}" type="datetimeFigureOut">
               <a:rPr lang="zh-CN" altLang="en-US" smtClean="0"/>
-              <a:t>2021/2/3</a:t>
+              <a:t>2021/4/19</a:t>
             </a:fld>
             <a:endParaRPr lang="zh-CN" altLang="en-US"/>
           </a:p>
@@ -5648,6 +5649,724 @@
 </p:sld>
 </file>
 
+<file path=ppt/slides/slide13.xml><?xml version="1.0" encoding="utf-8"?>
+<p:sld xmlns:a="http://schemas.openxmlformats.org/drawingml/2006/main" xmlns:r="http://schemas.openxmlformats.org/officeDocument/2006/relationships" xmlns:p="http://schemas.openxmlformats.org/presentationml/2006/main">
+  <p:cSld>
+    <p:spTree>
+      <p:nvGrpSpPr>
+        <p:cNvPr id="1" name=""/>
+        <p:cNvGrpSpPr/>
+        <p:nvPr/>
+      </p:nvGrpSpPr>
+      <p:grpSpPr>
+        <a:xfrm>
+          <a:off x="0" y="0"/>
+          <a:ext cx="0" cy="0"/>
+          <a:chOff x="0" y="0"/>
+          <a:chExt cx="0" cy="0"/>
+        </a:xfrm>
+      </p:grpSpPr>
+      <p:graphicFrame>
+        <p:nvGraphicFramePr>
+          <p:cNvPr id="4" name="表格 4">
+            <a:extLst>
+              <a:ext uri="{FF2B5EF4-FFF2-40B4-BE49-F238E27FC236}">
+                <a16:creationId xmlns:a16="http://schemas.microsoft.com/office/drawing/2014/main" id="{1422D487-B951-4CB8-8803-6A5A339B433B}"/>
+              </a:ext>
+            </a:extLst>
+          </p:cNvPr>
+          <p:cNvGraphicFramePr>
+            <a:graphicFrameLocks noGrp="1"/>
+          </p:cNvGraphicFramePr>
+          <p:nvPr>
+            <p:extLst>
+              <p:ext uri="{D42A27DB-BD31-4B8C-83A1-F6EECF244321}">
+                <p14:modId xmlns:p14="http://schemas.microsoft.com/office/powerpoint/2010/main" val="762835957"/>
+              </p:ext>
+            </p:extLst>
+          </p:nvPr>
+        </p:nvGraphicFramePr>
+        <p:xfrm>
+          <a:off x="283780" y="1276714"/>
+          <a:ext cx="8005379" cy="370840"/>
+        </p:xfrm>
+        <a:graphic>
+          <a:graphicData uri="http://schemas.openxmlformats.org/drawingml/2006/table">
+            <a:tbl>
+              <a:tblPr firstRow="1" bandRow="1">
+                <a:tableStyleId>{5C22544A-7EE6-4342-B048-85BDC9FD1C3A}</a:tableStyleId>
+              </a:tblPr>
+              <a:tblGrid>
+                <a:gridCol w="1909379">
+                  <a:extLst>
+                    <a:ext uri="{9D8B030D-6E8A-4147-A177-3AD203B41FA5}">
+                      <a16:colId xmlns:a16="http://schemas.microsoft.com/office/drawing/2014/main" val="3811006510"/>
+                    </a:ext>
+                  </a:extLst>
+                </a:gridCol>
+                <a:gridCol w="2032000">
+                  <a:extLst>
+                    <a:ext uri="{9D8B030D-6E8A-4147-A177-3AD203B41FA5}">
+                      <a16:colId xmlns:a16="http://schemas.microsoft.com/office/drawing/2014/main" val="4282456808"/>
+                    </a:ext>
+                  </a:extLst>
+                </a:gridCol>
+                <a:gridCol w="2032000">
+                  <a:extLst>
+                    <a:ext uri="{9D8B030D-6E8A-4147-A177-3AD203B41FA5}">
+                      <a16:colId xmlns:a16="http://schemas.microsoft.com/office/drawing/2014/main" val="1658782524"/>
+                    </a:ext>
+                  </a:extLst>
+                </a:gridCol>
+                <a:gridCol w="2032000">
+                  <a:extLst>
+                    <a:ext uri="{9D8B030D-6E8A-4147-A177-3AD203B41FA5}">
+                      <a16:colId xmlns:a16="http://schemas.microsoft.com/office/drawing/2014/main" val="635754988"/>
+                    </a:ext>
+                  </a:extLst>
+                </a:gridCol>
+              </a:tblGrid>
+              <a:tr h="370840">
+                <a:tc>
+                  <a:txBody>
+                    <a:bodyPr/>
+                    <a:lstStyle/>
+                    <a:p>
+                      <a:pPr algn="ctr"/>
+                      <a:r>
+                        <a:rPr lang="en-US" altLang="zh-CN" dirty="0"/>
+                        <a:t>3</a:t>
+                      </a:r>
+                      <a:endParaRPr lang="zh-CN" altLang="en-US" dirty="0"/>
+                    </a:p>
+                  </a:txBody>
+                  <a:tcPr>
+                    <a:solidFill>
+                      <a:srgbClr val="C00000"/>
+                    </a:solidFill>
+                  </a:tcPr>
+                </a:tc>
+                <a:tc>
+                  <a:txBody>
+                    <a:bodyPr/>
+                    <a:lstStyle/>
+                    <a:p>
+                      <a:pPr algn="ctr"/>
+                      <a:r>
+                        <a:rPr lang="en-US" altLang="zh-CN" dirty="0"/>
+                        <a:t>2</a:t>
+                      </a:r>
+                      <a:endParaRPr lang="zh-CN" altLang="en-US" dirty="0"/>
+                    </a:p>
+                  </a:txBody>
+                  <a:tcPr>
+                    <a:solidFill>
+                      <a:schemeClr val="accent1"/>
+                    </a:solidFill>
+                  </a:tcPr>
+                </a:tc>
+                <a:tc>
+                  <a:txBody>
+                    <a:bodyPr/>
+                    <a:lstStyle/>
+                    <a:p>
+                      <a:pPr algn="ctr"/>
+                      <a:r>
+                        <a:rPr lang="en-US" altLang="zh-CN" dirty="0"/>
+                        <a:t>2</a:t>
+                      </a:r>
+                      <a:endParaRPr lang="zh-CN" altLang="en-US" dirty="0"/>
+                    </a:p>
+                  </a:txBody>
+                  <a:tcPr>
+                    <a:solidFill>
+                      <a:schemeClr val="accent1"/>
+                    </a:solidFill>
+                  </a:tcPr>
+                </a:tc>
+                <a:tc>
+                  <a:txBody>
+                    <a:bodyPr/>
+                    <a:lstStyle/>
+                    <a:p>
+                      <a:pPr algn="ctr"/>
+                      <a:r>
+                        <a:rPr lang="en-US" altLang="zh-CN" dirty="0"/>
+                        <a:t>3</a:t>
+                      </a:r>
+                      <a:endParaRPr lang="zh-CN" altLang="en-US" dirty="0"/>
+                    </a:p>
+                  </a:txBody>
+                  <a:tcPr>
+                    <a:solidFill>
+                      <a:srgbClr val="C00000"/>
+                    </a:solidFill>
+                  </a:tcPr>
+                </a:tc>
+                <a:extLst>
+                  <a:ext uri="{0D108BD9-81ED-4DB2-BD59-A6C34878D82A}">
+                    <a16:rowId xmlns:a16="http://schemas.microsoft.com/office/drawing/2014/main" val="2116872695"/>
+                  </a:ext>
+                </a:extLst>
+              </a:tr>
+            </a:tbl>
+          </a:graphicData>
+        </a:graphic>
+      </p:graphicFrame>
+      <p:sp>
+        <p:nvSpPr>
+          <p:cNvPr id="5" name="箭头: 下 4">
+            <a:extLst>
+              <a:ext uri="{FF2B5EF4-FFF2-40B4-BE49-F238E27FC236}">
+                <a16:creationId xmlns:a16="http://schemas.microsoft.com/office/drawing/2014/main" id="{9DA643AF-D182-4DEF-88D9-DE71F78FB34B}"/>
+              </a:ext>
+            </a:extLst>
+          </p:cNvPr>
+          <p:cNvSpPr/>
+          <p:nvPr/>
+        </p:nvSpPr>
+        <p:spPr>
+          <a:xfrm>
+            <a:off x="809297" y="885350"/>
+            <a:ext cx="252248" cy="283780"/>
+          </a:xfrm>
+          <a:prstGeom prst="downArrow">
+            <a:avLst/>
+          </a:prstGeom>
+        </p:spPr>
+        <p:style>
+          <a:lnRef idx="2">
+            <a:schemeClr val="accent1">
+              <a:shade val="50000"/>
+            </a:schemeClr>
+          </a:lnRef>
+          <a:fillRef idx="1">
+            <a:schemeClr val="accent1"/>
+          </a:fillRef>
+          <a:effectRef idx="0">
+            <a:schemeClr val="accent1"/>
+          </a:effectRef>
+          <a:fontRef idx="minor">
+            <a:schemeClr val="lt1"/>
+          </a:fontRef>
+        </p:style>
+        <p:txBody>
+          <a:bodyPr rtlCol="0" anchor="ctr"/>
+          <a:lstStyle/>
+          <a:p>
+            <a:pPr algn="ctr"/>
+            <a:r>
+              <a:rPr lang="en-US" altLang="zh-CN" dirty="0"/>
+              <a:t>L</a:t>
+            </a:r>
+            <a:endParaRPr lang="zh-CN" altLang="en-US" dirty="0"/>
+          </a:p>
+        </p:txBody>
+      </p:sp>
+      <p:sp>
+        <p:nvSpPr>
+          <p:cNvPr id="6" name="箭头: 下 5">
+            <a:extLst>
+              <a:ext uri="{FF2B5EF4-FFF2-40B4-BE49-F238E27FC236}">
+                <a16:creationId xmlns:a16="http://schemas.microsoft.com/office/drawing/2014/main" id="{2B6AACB2-357E-4592-848D-85CEAA7EFF68}"/>
+              </a:ext>
+            </a:extLst>
+          </p:cNvPr>
+          <p:cNvSpPr/>
+          <p:nvPr/>
+        </p:nvSpPr>
+        <p:spPr>
+          <a:xfrm>
+            <a:off x="1277007" y="885350"/>
+            <a:ext cx="252248" cy="283780"/>
+          </a:xfrm>
+          <a:prstGeom prst="downArrow">
+            <a:avLst/>
+          </a:prstGeom>
+        </p:spPr>
+        <p:style>
+          <a:lnRef idx="2">
+            <a:schemeClr val="accent1">
+              <a:shade val="50000"/>
+            </a:schemeClr>
+          </a:lnRef>
+          <a:fillRef idx="1">
+            <a:schemeClr val="accent1"/>
+          </a:fillRef>
+          <a:effectRef idx="0">
+            <a:schemeClr val="accent1"/>
+          </a:effectRef>
+          <a:fontRef idx="minor">
+            <a:schemeClr val="lt1"/>
+          </a:fontRef>
+        </p:style>
+        <p:txBody>
+          <a:bodyPr rtlCol="0" anchor="ctr"/>
+          <a:lstStyle/>
+          <a:p>
+            <a:pPr algn="ctr"/>
+            <a:r>
+              <a:rPr lang="en-US" altLang="zh-CN" dirty="0"/>
+              <a:t>R</a:t>
+            </a:r>
+            <a:endParaRPr lang="zh-CN" altLang="en-US" dirty="0"/>
+          </a:p>
+        </p:txBody>
+      </p:sp>
+      <p:sp>
+        <p:nvSpPr>
+          <p:cNvPr id="7" name="文本框 6">
+            <a:extLst>
+              <a:ext uri="{FF2B5EF4-FFF2-40B4-BE49-F238E27FC236}">
+                <a16:creationId xmlns:a16="http://schemas.microsoft.com/office/drawing/2014/main" id="{A7A8DA99-26AA-4128-BE6D-403C4858C4CB}"/>
+              </a:ext>
+            </a:extLst>
+          </p:cNvPr>
+          <p:cNvSpPr txBox="1"/>
+          <p:nvPr/>
+        </p:nvSpPr>
+        <p:spPr>
+          <a:xfrm>
+            <a:off x="168166" y="231228"/>
+            <a:ext cx="1465466" cy="369332"/>
+          </a:xfrm>
+          <a:prstGeom prst="rect">
+            <a:avLst/>
+          </a:prstGeom>
+          <a:noFill/>
+        </p:spPr>
+        <p:txBody>
+          <a:bodyPr wrap="none" rtlCol="0">
+            <a:spAutoFit/>
+          </a:bodyPr>
+          <a:lstStyle/>
+          <a:p>
+            <a:r>
+              <a:rPr lang="en-US" altLang="zh-CN" dirty="0">
+                <a:hlinkClick r:id="rId2"/>
+              </a:rPr>
+              <a:t>27. </a:t>
+            </a:r>
+            <a:r>
+              <a:rPr lang="zh-CN" altLang="en-US" dirty="0">
+                <a:hlinkClick r:id="rId2"/>
+              </a:rPr>
+              <a:t>移除元素</a:t>
+            </a:r>
+            <a:endParaRPr lang="zh-CN" altLang="en-US" dirty="0"/>
+          </a:p>
+        </p:txBody>
+      </p:sp>
+      <p:graphicFrame>
+        <p:nvGraphicFramePr>
+          <p:cNvPr id="8" name="表格 4">
+            <a:extLst>
+              <a:ext uri="{FF2B5EF4-FFF2-40B4-BE49-F238E27FC236}">
+                <a16:creationId xmlns:a16="http://schemas.microsoft.com/office/drawing/2014/main" id="{CDA13675-FF2C-46D7-BED2-65A4151044AC}"/>
+              </a:ext>
+            </a:extLst>
+          </p:cNvPr>
+          <p:cNvGraphicFramePr>
+            <a:graphicFrameLocks noGrp="1"/>
+          </p:cNvGraphicFramePr>
+          <p:nvPr>
+            <p:extLst>
+              <p:ext uri="{D42A27DB-BD31-4B8C-83A1-F6EECF244321}">
+                <p14:modId xmlns:p14="http://schemas.microsoft.com/office/powerpoint/2010/main" val="938930775"/>
+              </p:ext>
+            </p:extLst>
+          </p:nvPr>
+        </p:nvGraphicFramePr>
+        <p:xfrm>
+          <a:off x="283780" y="2238410"/>
+          <a:ext cx="8005379" cy="370840"/>
+        </p:xfrm>
+        <a:graphic>
+          <a:graphicData uri="http://schemas.openxmlformats.org/drawingml/2006/table">
+            <a:tbl>
+              <a:tblPr firstRow="1" bandRow="1">
+                <a:tableStyleId>{5C22544A-7EE6-4342-B048-85BDC9FD1C3A}</a:tableStyleId>
+              </a:tblPr>
+              <a:tblGrid>
+                <a:gridCol w="1909379">
+                  <a:extLst>
+                    <a:ext uri="{9D8B030D-6E8A-4147-A177-3AD203B41FA5}">
+                      <a16:colId xmlns:a16="http://schemas.microsoft.com/office/drawing/2014/main" val="3811006510"/>
+                    </a:ext>
+                  </a:extLst>
+                </a:gridCol>
+                <a:gridCol w="2032000">
+                  <a:extLst>
+                    <a:ext uri="{9D8B030D-6E8A-4147-A177-3AD203B41FA5}">
+                      <a16:colId xmlns:a16="http://schemas.microsoft.com/office/drawing/2014/main" val="4282456808"/>
+                    </a:ext>
+                  </a:extLst>
+                </a:gridCol>
+                <a:gridCol w="2032000">
+                  <a:extLst>
+                    <a:ext uri="{9D8B030D-6E8A-4147-A177-3AD203B41FA5}">
+                      <a16:colId xmlns:a16="http://schemas.microsoft.com/office/drawing/2014/main" val="1658782524"/>
+                    </a:ext>
+                  </a:extLst>
+                </a:gridCol>
+                <a:gridCol w="2032000">
+                  <a:extLst>
+                    <a:ext uri="{9D8B030D-6E8A-4147-A177-3AD203B41FA5}">
+                      <a16:colId xmlns:a16="http://schemas.microsoft.com/office/drawing/2014/main" val="635754988"/>
+                    </a:ext>
+                  </a:extLst>
+                </a:gridCol>
+              </a:tblGrid>
+              <a:tr h="370840">
+                <a:tc>
+                  <a:txBody>
+                    <a:bodyPr/>
+                    <a:lstStyle/>
+                    <a:p>
+                      <a:pPr algn="ctr"/>
+                      <a:r>
+                        <a:rPr lang="en-US" altLang="zh-CN" dirty="0"/>
+                        <a:t>3</a:t>
+                      </a:r>
+                      <a:endParaRPr lang="zh-CN" altLang="en-US" dirty="0"/>
+                    </a:p>
+                  </a:txBody>
+                  <a:tcPr>
+                    <a:solidFill>
+                      <a:srgbClr val="C00000"/>
+                    </a:solidFill>
+                  </a:tcPr>
+                </a:tc>
+                <a:tc>
+                  <a:txBody>
+                    <a:bodyPr/>
+                    <a:lstStyle/>
+                    <a:p>
+                      <a:pPr algn="ctr"/>
+                      <a:r>
+                        <a:rPr lang="en-US" altLang="zh-CN" dirty="0"/>
+                        <a:t>2</a:t>
+                      </a:r>
+                      <a:endParaRPr lang="zh-CN" altLang="en-US" dirty="0"/>
+                    </a:p>
+                  </a:txBody>
+                  <a:tcPr>
+                    <a:solidFill>
+                      <a:schemeClr val="accent1"/>
+                    </a:solidFill>
+                  </a:tcPr>
+                </a:tc>
+                <a:tc>
+                  <a:txBody>
+                    <a:bodyPr/>
+                    <a:lstStyle/>
+                    <a:p>
+                      <a:pPr algn="ctr"/>
+                      <a:r>
+                        <a:rPr lang="en-US" altLang="zh-CN" dirty="0"/>
+                        <a:t>2</a:t>
+                      </a:r>
+                      <a:endParaRPr lang="zh-CN" altLang="en-US" dirty="0"/>
+                    </a:p>
+                  </a:txBody>
+                  <a:tcPr>
+                    <a:solidFill>
+                      <a:schemeClr val="accent1"/>
+                    </a:solidFill>
+                  </a:tcPr>
+                </a:tc>
+                <a:tc>
+                  <a:txBody>
+                    <a:bodyPr/>
+                    <a:lstStyle/>
+                    <a:p>
+                      <a:pPr algn="ctr"/>
+                      <a:r>
+                        <a:rPr lang="en-US" altLang="zh-CN" dirty="0"/>
+                        <a:t>3</a:t>
+                      </a:r>
+                      <a:endParaRPr lang="zh-CN" altLang="en-US" dirty="0"/>
+                    </a:p>
+                  </a:txBody>
+                  <a:tcPr>
+                    <a:solidFill>
+                      <a:srgbClr val="C00000"/>
+                    </a:solidFill>
+                  </a:tcPr>
+                </a:tc>
+                <a:extLst>
+                  <a:ext uri="{0D108BD9-81ED-4DB2-BD59-A6C34878D82A}">
+                    <a16:rowId xmlns:a16="http://schemas.microsoft.com/office/drawing/2014/main" val="2116872695"/>
+                  </a:ext>
+                </a:extLst>
+              </a:tr>
+            </a:tbl>
+          </a:graphicData>
+        </a:graphic>
+      </p:graphicFrame>
+      <p:sp>
+        <p:nvSpPr>
+          <p:cNvPr id="9" name="箭头: 下 8">
+            <a:extLst>
+              <a:ext uri="{FF2B5EF4-FFF2-40B4-BE49-F238E27FC236}">
+                <a16:creationId xmlns:a16="http://schemas.microsoft.com/office/drawing/2014/main" id="{411F85E4-64BD-47AC-B9F9-E03AB470E0E3}"/>
+              </a:ext>
+            </a:extLst>
+          </p:cNvPr>
+          <p:cNvSpPr/>
+          <p:nvPr/>
+        </p:nvSpPr>
+        <p:spPr>
+          <a:xfrm>
+            <a:off x="809297" y="1847046"/>
+            <a:ext cx="252248" cy="283780"/>
+          </a:xfrm>
+          <a:prstGeom prst="downArrow">
+            <a:avLst/>
+          </a:prstGeom>
+        </p:spPr>
+        <p:style>
+          <a:lnRef idx="2">
+            <a:schemeClr val="accent1">
+              <a:shade val="50000"/>
+            </a:schemeClr>
+          </a:lnRef>
+          <a:fillRef idx="1">
+            <a:schemeClr val="accent1"/>
+          </a:fillRef>
+          <a:effectRef idx="0">
+            <a:schemeClr val="accent1"/>
+          </a:effectRef>
+          <a:fontRef idx="minor">
+            <a:schemeClr val="lt1"/>
+          </a:fontRef>
+        </p:style>
+        <p:txBody>
+          <a:bodyPr rtlCol="0" anchor="ctr"/>
+          <a:lstStyle/>
+          <a:p>
+            <a:pPr algn="ctr"/>
+            <a:r>
+              <a:rPr lang="en-US" altLang="zh-CN" dirty="0"/>
+              <a:t>L</a:t>
+            </a:r>
+            <a:endParaRPr lang="zh-CN" altLang="en-US" dirty="0"/>
+          </a:p>
+        </p:txBody>
+      </p:sp>
+      <p:sp>
+        <p:nvSpPr>
+          <p:cNvPr id="10" name="箭头: 下 9">
+            <a:extLst>
+              <a:ext uri="{FF2B5EF4-FFF2-40B4-BE49-F238E27FC236}">
+                <a16:creationId xmlns:a16="http://schemas.microsoft.com/office/drawing/2014/main" id="{C7534775-CBF5-447E-8D72-FE54EA7B6BC5}"/>
+              </a:ext>
+            </a:extLst>
+          </p:cNvPr>
+          <p:cNvSpPr/>
+          <p:nvPr/>
+        </p:nvSpPr>
+        <p:spPr>
+          <a:xfrm>
+            <a:off x="3105807" y="1847046"/>
+            <a:ext cx="252248" cy="283780"/>
+          </a:xfrm>
+          <a:prstGeom prst="downArrow">
+            <a:avLst/>
+          </a:prstGeom>
+        </p:spPr>
+        <p:style>
+          <a:lnRef idx="2">
+            <a:schemeClr val="accent1">
+              <a:shade val="50000"/>
+            </a:schemeClr>
+          </a:lnRef>
+          <a:fillRef idx="1">
+            <a:schemeClr val="accent1"/>
+          </a:fillRef>
+          <a:effectRef idx="0">
+            <a:schemeClr val="accent1"/>
+          </a:effectRef>
+          <a:fontRef idx="minor">
+            <a:schemeClr val="lt1"/>
+          </a:fontRef>
+        </p:style>
+        <p:txBody>
+          <a:bodyPr rtlCol="0" anchor="ctr"/>
+          <a:lstStyle/>
+          <a:p>
+            <a:pPr algn="ctr"/>
+            <a:r>
+              <a:rPr lang="en-US" altLang="zh-CN" dirty="0"/>
+              <a:t>R</a:t>
+            </a:r>
+            <a:endParaRPr lang="zh-CN" altLang="en-US" dirty="0"/>
+          </a:p>
+        </p:txBody>
+      </p:sp>
+      <p:sp>
+        <p:nvSpPr>
+          <p:cNvPr id="11" name="文本框 10">
+            <a:extLst>
+              <a:ext uri="{FF2B5EF4-FFF2-40B4-BE49-F238E27FC236}">
+                <a16:creationId xmlns:a16="http://schemas.microsoft.com/office/drawing/2014/main" id="{1EA496DB-380D-4D98-A6E7-766DBE387DC4}"/>
+              </a:ext>
+            </a:extLst>
+          </p:cNvPr>
+          <p:cNvSpPr txBox="1"/>
+          <p:nvPr/>
+        </p:nvSpPr>
+        <p:spPr>
+          <a:xfrm>
+            <a:off x="8504621" y="1008993"/>
+            <a:ext cx="3498193" cy="2523768"/>
+          </a:xfrm>
+          <a:prstGeom prst="rect">
+            <a:avLst/>
+          </a:prstGeom>
+          <a:noFill/>
+        </p:spPr>
+        <p:txBody>
+          <a:bodyPr wrap="square" rtlCol="0">
+            <a:spAutoFit/>
+          </a:bodyPr>
+          <a:lstStyle/>
+          <a:p>
+            <a:r>
+              <a:rPr lang="en-US" altLang="zh-CN" sz="1400" dirty="0"/>
+              <a:t>var </a:t>
+            </a:r>
+            <a:r>
+              <a:rPr lang="en-US" altLang="zh-CN" sz="1400" dirty="0" err="1"/>
+              <a:t>removeElement</a:t>
+            </a:r>
+            <a:r>
+              <a:rPr lang="en-US" altLang="zh-CN" sz="1400" dirty="0"/>
+              <a:t> = function(</a:t>
+            </a:r>
+            <a:r>
+              <a:rPr lang="en-US" altLang="zh-CN" sz="1400" dirty="0" err="1"/>
+              <a:t>nums</a:t>
+            </a:r>
+            <a:r>
+              <a:rPr lang="en-US" altLang="zh-CN" sz="1400" dirty="0"/>
+              <a:t>, </a:t>
+            </a:r>
+            <a:r>
+              <a:rPr lang="en-US" altLang="zh-CN" sz="1400" dirty="0" err="1"/>
+              <a:t>val</a:t>
+            </a:r>
+            <a:r>
+              <a:rPr lang="en-US" altLang="zh-CN" sz="1400" dirty="0"/>
+              <a:t>) {</a:t>
+            </a:r>
+          </a:p>
+          <a:p>
+            <a:r>
+              <a:rPr lang="en-US" altLang="zh-CN" sz="1400" dirty="0"/>
+              <a:t>    let left = 0</a:t>
+            </a:r>
+          </a:p>
+          <a:p>
+            <a:r>
+              <a:rPr lang="en-US" altLang="zh-CN" sz="1400" dirty="0"/>
+              <a:t>    for(let right = 0; right &lt; </a:t>
+            </a:r>
+            <a:r>
+              <a:rPr lang="en-US" altLang="zh-CN" sz="1400" dirty="0" err="1"/>
+              <a:t>nums.length</a:t>
+            </a:r>
+            <a:r>
+              <a:rPr lang="en-US" altLang="zh-CN" sz="1400" dirty="0"/>
+              <a:t>; right++) {</a:t>
+            </a:r>
+          </a:p>
+          <a:p>
+            <a:r>
+              <a:rPr lang="en-US" altLang="zh-CN" sz="1400" dirty="0"/>
+              <a:t>        if(</a:t>
+            </a:r>
+            <a:r>
+              <a:rPr lang="en-US" altLang="zh-CN" sz="1400" dirty="0" err="1"/>
+              <a:t>nums</a:t>
+            </a:r>
+            <a:r>
+              <a:rPr lang="en-US" altLang="zh-CN" sz="1400" dirty="0"/>
+              <a:t>[right] !== </a:t>
+            </a:r>
+            <a:r>
+              <a:rPr lang="en-US" altLang="zh-CN" sz="1400" dirty="0" err="1"/>
+              <a:t>val</a:t>
+            </a:r>
+            <a:r>
+              <a:rPr lang="en-US" altLang="zh-CN" sz="1400" dirty="0"/>
+              <a:t>) {</a:t>
+            </a:r>
+          </a:p>
+          <a:p>
+            <a:r>
+              <a:rPr lang="en-US" altLang="zh-CN" sz="1400" dirty="0"/>
+              <a:t>            </a:t>
+            </a:r>
+            <a:r>
+              <a:rPr lang="en-US" altLang="zh-CN" sz="1400" dirty="0" err="1"/>
+              <a:t>nums</a:t>
+            </a:r>
+            <a:r>
+              <a:rPr lang="en-US" altLang="zh-CN" sz="1400" dirty="0"/>
+              <a:t>[left++] = </a:t>
+            </a:r>
+            <a:r>
+              <a:rPr lang="en-US" altLang="zh-CN" sz="1400" dirty="0" err="1"/>
+              <a:t>nums</a:t>
+            </a:r>
+            <a:r>
+              <a:rPr lang="en-US" altLang="zh-CN" sz="1400" dirty="0"/>
+              <a:t>[right]</a:t>
+            </a:r>
+          </a:p>
+          <a:p>
+            <a:r>
+              <a:rPr lang="en-US" altLang="zh-CN" sz="1400" dirty="0"/>
+              <a:t>        }</a:t>
+            </a:r>
+          </a:p>
+          <a:p>
+            <a:r>
+              <a:rPr lang="en-US" altLang="zh-CN" sz="1400" dirty="0"/>
+              <a:t>    }</a:t>
+            </a:r>
+          </a:p>
+          <a:p>
+            <a:r>
+              <a:rPr lang="en-US" altLang="zh-CN" sz="1400" dirty="0"/>
+              <a:t>    return left</a:t>
+            </a:r>
+          </a:p>
+          <a:p>
+            <a:r>
+              <a:rPr lang="en-US" altLang="zh-CN" sz="1400" dirty="0"/>
+              <a:t>};</a:t>
+            </a:r>
+          </a:p>
+          <a:p>
+            <a:endParaRPr lang="zh-CN" altLang="en-US" dirty="0"/>
+          </a:p>
+        </p:txBody>
+      </p:sp>
+    </p:spTree>
+    <p:extLst>
+      <p:ext uri="{BB962C8B-B14F-4D97-AF65-F5344CB8AC3E}">
+        <p14:creationId xmlns:p14="http://schemas.microsoft.com/office/powerpoint/2010/main" val="1952753597"/>
+      </p:ext>
+    </p:extLst>
+  </p:cSld>
+  <p:clrMapOvr>
+    <a:masterClrMapping/>
+  </p:clrMapOvr>
+</p:sld>
+</file>
+
 <file path=ppt/slides/slide2.xml><?xml version="1.0" encoding="utf-8"?>
 <p:sld xmlns:a="http://schemas.openxmlformats.org/drawingml/2006/main" xmlns:r="http://schemas.openxmlformats.org/officeDocument/2006/relationships" xmlns:p="http://schemas.openxmlformats.org/presentationml/2006/main">
   <p:cSld>
